--- a/Certificate.pptx
+++ b/Certificate.pptx
@@ -5,7 +5,7 @@
     <p:sldMasterId id="2147483648" r:id="rId1"/>
   </p:sldMasterIdLst>
   <p:sldIdLst>
-    <p:sldId id="256" r:id="rId2"/>
+    <p:sldId id="257" r:id="rId2"/>
   </p:sldIdLst>
   <p:sldSz cx="12192000" cy="6858000"/>
   <p:notesSz cx="6858000" cy="9144000"/>
@@ -3331,7 +3331,7 @@
           <p:cNvPr id="2" name="Title 1">
             <a:extLst>
               <a:ext uri="{FF2B5EF4-FFF2-40B4-BE49-F238E27FC236}">
-                <a16:creationId xmlns:a16="http://schemas.microsoft.com/office/drawing/2014/main" id="{499A51FA-A3D2-2D0A-CCD4-55F8C5EC4951}"/>
+                <a16:creationId xmlns:a16="http://schemas.microsoft.com/office/drawing/2014/main" id="{4ED5664A-EFE0-4F11-5688-879EFF0A06B5}"/>
               </a:ext>
             </a:extLst>
           </p:cNvPr>
@@ -3342,51 +3342,819 @@
             <p:ph type="ctrTitle"/>
           </p:nvPr>
         </p:nvSpPr>
-        <p:spPr/>
-        <p:txBody>
-          <a:bodyPr/>
-          <a:lstStyle/>
-          <a:p>
+        <p:spPr>
+          <a:xfrm>
+            <a:off x="1524000" y="2556387"/>
+            <a:ext cx="9144000" cy="953576"/>
+          </a:xfrm>
+        </p:spPr>
+        <p:txBody>
+          <a:bodyPr>
+            <a:normAutofit/>
+          </a:bodyPr>
+          <a:lstStyle/>
+          <a:p>
+            <a:r>
+              <a:rPr lang="en-US" sz="5400" dirty="0">
+                <a:latin typeface="Aharoni" panose="02010803020104030203" pitchFamily="2" charset="-79"/>
+                <a:cs typeface="Aharoni" panose="02010803020104030203" pitchFamily="2" charset="-79"/>
+              </a:rPr>
+              <a:t>Certificate of Participation</a:t>
+            </a:r>
+          </a:p>
+        </p:txBody>
+      </p:sp>
+      <p:sp>
+        <p:nvSpPr>
+          <p:cNvPr id="3" name="Subtitle 2">
+            <a:extLst>
+              <a:ext uri="{FF2B5EF4-FFF2-40B4-BE49-F238E27FC236}">
+                <a16:creationId xmlns:a16="http://schemas.microsoft.com/office/drawing/2014/main" id="{3E7D8614-58B7-6C09-E986-EC2D59D54495}"/>
+              </a:ext>
+            </a:extLst>
+          </p:cNvPr>
+          <p:cNvSpPr>
+            <a:spLocks noGrp="1"/>
+          </p:cNvSpPr>
+          <p:nvPr>
+            <p:ph type="subTitle" idx="1"/>
+          </p:nvPr>
+        </p:nvSpPr>
+        <p:spPr>
+          <a:xfrm>
+            <a:off x="1524000" y="3602037"/>
+            <a:ext cx="9144000" cy="547175"/>
+          </a:xfrm>
+        </p:spPr>
+        <p:txBody>
+          <a:bodyPr>
+            <a:noAutofit/>
+          </a:bodyPr>
+          <a:lstStyle/>
+          <a:p>
+            <a:r>
+              <a:rPr lang="en-US" sz="3200"/>
+              <a:t>Sachin Mutalikdesai</a:t>
+            </a:r>
+            <a:endParaRPr lang="en-US" sz="3200" dirty="0"/>
+          </a:p>
+        </p:txBody>
+      </p:sp>
+      <p:sp>
+        <p:nvSpPr>
+          <p:cNvPr id="7" name="Oval 6">
+            <a:extLst>
+              <a:ext uri="{FF2B5EF4-FFF2-40B4-BE49-F238E27FC236}">
+                <a16:creationId xmlns:a16="http://schemas.microsoft.com/office/drawing/2014/main" id="{18826F71-32AB-7852-22BD-A9ADD5C5536C}"/>
+              </a:ext>
+            </a:extLst>
+          </p:cNvPr>
+          <p:cNvSpPr/>
+          <p:nvPr/>
+        </p:nvSpPr>
+        <p:spPr>
+          <a:xfrm>
+            <a:off x="10953135" y="3509963"/>
+            <a:ext cx="629265" cy="563238"/>
+          </a:xfrm>
+          <a:prstGeom prst="ellipse">
+            <a:avLst/>
+          </a:prstGeom>
+          <a:solidFill>
+            <a:schemeClr val="accent4">
+              <a:lumMod val="40000"/>
+              <a:lumOff val="60000"/>
+            </a:schemeClr>
+          </a:solidFill>
+          <a:ln>
+            <a:noFill/>
+          </a:ln>
+        </p:spPr>
+        <p:style>
+          <a:lnRef idx="2">
+            <a:schemeClr val="accent1">
+              <a:shade val="50000"/>
+            </a:schemeClr>
+          </a:lnRef>
+          <a:fillRef idx="1">
+            <a:schemeClr val="accent1"/>
+          </a:fillRef>
+          <a:effectRef idx="0">
+            <a:schemeClr val="accent1"/>
+          </a:effectRef>
+          <a:fontRef idx="minor">
+            <a:schemeClr val="lt1"/>
+          </a:fontRef>
+        </p:style>
+        <p:txBody>
+          <a:bodyPr rtlCol="0" anchor="ctr"/>
+          <a:lstStyle/>
+          <a:p>
+            <a:pPr algn="ctr"/>
+            <a:endParaRPr lang="en-IN"/>
+          </a:p>
+        </p:txBody>
+      </p:sp>
+      <p:grpSp>
+        <p:nvGrpSpPr>
+          <p:cNvPr id="8" name="Group 7">
+            <a:extLst>
+              <a:ext uri="{FF2B5EF4-FFF2-40B4-BE49-F238E27FC236}">
+                <a16:creationId xmlns:a16="http://schemas.microsoft.com/office/drawing/2014/main" id="{867FCA82-D98B-D4A8-2AB1-6DDF2D1FFCC2}"/>
+              </a:ext>
+            </a:extLst>
+          </p:cNvPr>
+          <p:cNvGrpSpPr/>
+          <p:nvPr/>
+        </p:nvGrpSpPr>
+        <p:grpSpPr>
+          <a:xfrm>
+            <a:off x="9932144" y="4725594"/>
+            <a:ext cx="2041982" cy="2041982"/>
+            <a:chOff x="9226956" y="4963420"/>
+            <a:chExt cx="1440000" cy="1440000"/>
+          </a:xfrm>
+        </p:grpSpPr>
+        <p:sp>
+          <p:nvSpPr>
+            <p:cNvPr id="9" name="Oval 8">
+              <a:extLst>
+                <a:ext uri="{FF2B5EF4-FFF2-40B4-BE49-F238E27FC236}">
+                  <a16:creationId xmlns:a16="http://schemas.microsoft.com/office/drawing/2014/main" id="{708264A6-3BB5-B709-5C3A-ADFFD2FCEA31}"/>
+                </a:ext>
+              </a:extLst>
+            </p:cNvPr>
+            <p:cNvSpPr/>
+            <p:nvPr/>
+          </p:nvSpPr>
+          <p:spPr>
+            <a:xfrm>
+              <a:off x="9489756" y="5226220"/>
+              <a:ext cx="914400" cy="914400"/>
+            </a:xfrm>
+            <a:prstGeom prst="ellipse">
+              <a:avLst/>
+            </a:prstGeom>
+            <a:noFill/>
+            <a:ln w="63500">
+              <a:solidFill>
+                <a:srgbClr val="C979AA"/>
+              </a:solidFill>
+            </a:ln>
+          </p:spPr>
+          <p:style>
+            <a:lnRef idx="2">
+              <a:schemeClr val="accent1">
+                <a:shade val="50000"/>
+              </a:schemeClr>
+            </a:lnRef>
+            <a:fillRef idx="1">
+              <a:schemeClr val="accent1"/>
+            </a:fillRef>
+            <a:effectRef idx="0">
+              <a:schemeClr val="accent1"/>
+            </a:effectRef>
+            <a:fontRef idx="minor">
+              <a:schemeClr val="lt1"/>
+            </a:fontRef>
+          </p:style>
+          <p:txBody>
+            <a:bodyPr rtlCol="0" anchor="ctr"/>
+            <a:lstStyle/>
+            <a:p>
+              <a:pPr algn="ctr"/>
+              <a:endParaRPr lang="en-IN"/>
+            </a:p>
+          </p:txBody>
+        </p:sp>
+        <p:sp>
+          <p:nvSpPr>
+            <p:cNvPr id="10" name="Oval 9">
+              <a:extLst>
+                <a:ext uri="{FF2B5EF4-FFF2-40B4-BE49-F238E27FC236}">
+                  <a16:creationId xmlns:a16="http://schemas.microsoft.com/office/drawing/2014/main" id="{F5749CCC-F117-3568-3D2D-B8D524DBB997}"/>
+                </a:ext>
+              </a:extLst>
+            </p:cNvPr>
+            <p:cNvSpPr/>
+            <p:nvPr/>
+          </p:nvSpPr>
+          <p:spPr>
+            <a:xfrm>
+              <a:off x="9766956" y="5503420"/>
+              <a:ext cx="360000" cy="360000"/>
+            </a:xfrm>
+            <a:prstGeom prst="ellipse">
+              <a:avLst/>
+            </a:prstGeom>
+            <a:noFill/>
+            <a:ln w="63500">
+              <a:solidFill>
+                <a:srgbClr val="C979AA"/>
+              </a:solidFill>
+            </a:ln>
+          </p:spPr>
+          <p:style>
+            <a:lnRef idx="2">
+              <a:schemeClr val="accent1">
+                <a:shade val="50000"/>
+              </a:schemeClr>
+            </a:lnRef>
+            <a:fillRef idx="1">
+              <a:schemeClr val="accent1"/>
+            </a:fillRef>
+            <a:effectRef idx="0">
+              <a:schemeClr val="accent1"/>
+            </a:effectRef>
+            <a:fontRef idx="minor">
+              <a:schemeClr val="lt1"/>
+            </a:fontRef>
+          </p:style>
+          <p:txBody>
+            <a:bodyPr rtlCol="0" anchor="ctr"/>
+            <a:lstStyle/>
+            <a:p>
+              <a:pPr algn="ctr"/>
+              <a:endParaRPr lang="en-IN"/>
+            </a:p>
+          </p:txBody>
+        </p:sp>
+        <p:sp>
+          <p:nvSpPr>
+            <p:cNvPr id="11" name="Oval 10">
+              <a:extLst>
+                <a:ext uri="{FF2B5EF4-FFF2-40B4-BE49-F238E27FC236}">
+                  <a16:creationId xmlns:a16="http://schemas.microsoft.com/office/drawing/2014/main" id="{6437EB67-217B-E3E8-EB9B-96C79E1CAF58}"/>
+                </a:ext>
+              </a:extLst>
+            </p:cNvPr>
+            <p:cNvSpPr/>
+            <p:nvPr/>
+          </p:nvSpPr>
+          <p:spPr>
+            <a:xfrm>
+              <a:off x="9226956" y="4963420"/>
+              <a:ext cx="1440000" cy="1440000"/>
+            </a:xfrm>
+            <a:prstGeom prst="ellipse">
+              <a:avLst/>
+            </a:prstGeom>
+            <a:noFill/>
+            <a:ln w="63500">
+              <a:solidFill>
+                <a:srgbClr val="C979AA"/>
+              </a:solidFill>
+            </a:ln>
+          </p:spPr>
+          <p:style>
+            <a:lnRef idx="2">
+              <a:schemeClr val="accent1">
+                <a:shade val="50000"/>
+              </a:schemeClr>
+            </a:lnRef>
+            <a:fillRef idx="1">
+              <a:schemeClr val="accent1"/>
+            </a:fillRef>
+            <a:effectRef idx="0">
+              <a:schemeClr val="accent1"/>
+            </a:effectRef>
+            <a:fontRef idx="minor">
+              <a:schemeClr val="lt1"/>
+            </a:fontRef>
+          </p:style>
+          <p:txBody>
+            <a:bodyPr rtlCol="0" anchor="ctr"/>
+            <a:lstStyle/>
+            <a:p>
+              <a:pPr algn="ctr"/>
+              <a:endParaRPr lang="en-IN"/>
+            </a:p>
+          </p:txBody>
+        </p:sp>
+      </p:grpSp>
+      <p:sp>
+        <p:nvSpPr>
+          <p:cNvPr id="12" name="TextBox 11">
+            <a:extLst>
+              <a:ext uri="{FF2B5EF4-FFF2-40B4-BE49-F238E27FC236}">
+                <a16:creationId xmlns:a16="http://schemas.microsoft.com/office/drawing/2014/main" id="{937AD266-9130-4DFA-F7AB-BFE7CACA7989}"/>
+              </a:ext>
+            </a:extLst>
+          </p:cNvPr>
+          <p:cNvSpPr txBox="1"/>
+          <p:nvPr/>
+        </p:nvSpPr>
+        <p:spPr>
+          <a:xfrm>
+            <a:off x="4312934" y="5770796"/>
+            <a:ext cx="372090" cy="215444"/>
+          </a:xfrm>
+          <a:prstGeom prst="rect">
+            <a:avLst/>
+          </a:prstGeom>
+          <a:noFill/>
+        </p:spPr>
+        <p:txBody>
+          <a:bodyPr wrap="none" lIns="0" tIns="0" rIns="0" bIns="0" rtlCol="0">
+            <a:spAutoFit/>
+          </a:bodyPr>
+          <a:lstStyle/>
+          <a:p>
+            <a:pPr algn="ctr"/>
+            <a:r>
+              <a:rPr lang="en-US" sz="1400" dirty="0">
+                <a:solidFill>
+                  <a:srgbClr val="000000"/>
+                </a:solidFill>
+                <a:latin typeface="Roboto light" pitchFamily="2" charset="0"/>
+                <a:ea typeface="Roboto light" pitchFamily="2" charset="0"/>
+                <a:cs typeface="Segoe UI" panose="020B0502040204020203" pitchFamily="34" charset="0"/>
+              </a:rPr>
+              <a:t>Date</a:t>
+            </a:r>
+          </a:p>
+        </p:txBody>
+      </p:sp>
+      <p:cxnSp>
+        <p:nvCxnSpPr>
+          <p:cNvPr id="13" name="Straight Connector 12">
+            <a:extLst>
+              <a:ext uri="{FF2B5EF4-FFF2-40B4-BE49-F238E27FC236}">
+                <a16:creationId xmlns:a16="http://schemas.microsoft.com/office/drawing/2014/main" id="{AC39BB97-96C8-55A6-5C10-C043D89D8F11}"/>
+              </a:ext>
+            </a:extLst>
+          </p:cNvPr>
+          <p:cNvCxnSpPr>
+            <a:cxnSpLocks/>
+          </p:cNvCxnSpPr>
+          <p:nvPr/>
+        </p:nvCxnSpPr>
+        <p:spPr>
+          <a:xfrm>
+            <a:off x="3639569" y="5678997"/>
+            <a:ext cx="1718818" cy="0"/>
+          </a:xfrm>
+          <a:prstGeom prst="line">
+            <a:avLst/>
+          </a:prstGeom>
+          <a:ln w="9525">
+            <a:solidFill>
+              <a:srgbClr val="000000"/>
+            </a:solidFill>
+          </a:ln>
+        </p:spPr>
+        <p:style>
+          <a:lnRef idx="1">
+            <a:schemeClr val="accent1"/>
+          </a:lnRef>
+          <a:fillRef idx="0">
+            <a:schemeClr val="accent1"/>
+          </a:fillRef>
+          <a:effectRef idx="0">
+            <a:schemeClr val="accent1"/>
+          </a:effectRef>
+          <a:fontRef idx="minor">
+            <a:schemeClr val="tx1"/>
+          </a:fontRef>
+        </p:style>
+      </p:cxnSp>
+      <p:sp>
+        <p:nvSpPr>
+          <p:cNvPr id="14" name="TextBox 13">
+            <a:extLst>
+              <a:ext uri="{FF2B5EF4-FFF2-40B4-BE49-F238E27FC236}">
+                <a16:creationId xmlns:a16="http://schemas.microsoft.com/office/drawing/2014/main" id="{7C666F9E-532D-BF79-ED3E-FCBDBB77B1D2}"/>
+              </a:ext>
+            </a:extLst>
+          </p:cNvPr>
+          <p:cNvSpPr txBox="1"/>
+          <p:nvPr/>
+        </p:nvSpPr>
+        <p:spPr>
+          <a:xfrm>
+            <a:off x="7512547" y="5770796"/>
+            <a:ext cx="754245" cy="215444"/>
+          </a:xfrm>
+          <a:prstGeom prst="rect">
+            <a:avLst/>
+          </a:prstGeom>
+          <a:noFill/>
+        </p:spPr>
+        <p:txBody>
+          <a:bodyPr wrap="none" lIns="0" tIns="0" rIns="0" bIns="0" rtlCol="0">
+            <a:spAutoFit/>
+          </a:bodyPr>
+          <a:lstStyle/>
+          <a:p>
+            <a:pPr algn="ctr"/>
+            <a:r>
+              <a:rPr lang="en-US" sz="1400" dirty="0">
+                <a:solidFill>
+                  <a:srgbClr val="000000"/>
+                </a:solidFill>
+                <a:latin typeface="Roboto light" pitchFamily="2" charset="0"/>
+                <a:ea typeface="Roboto light" pitchFamily="2" charset="0"/>
+                <a:cs typeface="Segoe UI" panose="020B0502040204020203" pitchFamily="34" charset="0"/>
+              </a:rPr>
+              <a:t>Signature</a:t>
+            </a:r>
+          </a:p>
+        </p:txBody>
+      </p:sp>
+      <p:cxnSp>
+        <p:nvCxnSpPr>
+          <p:cNvPr id="15" name="Straight Connector 14">
+            <a:extLst>
+              <a:ext uri="{FF2B5EF4-FFF2-40B4-BE49-F238E27FC236}">
+                <a16:creationId xmlns:a16="http://schemas.microsoft.com/office/drawing/2014/main" id="{B8D6CA6F-E4E3-8422-F170-E352F2B01C59}"/>
+              </a:ext>
+            </a:extLst>
+          </p:cNvPr>
+          <p:cNvCxnSpPr>
+            <a:cxnSpLocks/>
+          </p:cNvCxnSpPr>
+          <p:nvPr/>
+        </p:nvCxnSpPr>
+        <p:spPr>
+          <a:xfrm>
+            <a:off x="7030260" y="5678997"/>
+            <a:ext cx="1718818" cy="0"/>
+          </a:xfrm>
+          <a:prstGeom prst="line">
+            <a:avLst/>
+          </a:prstGeom>
+          <a:ln w="9525">
+            <a:solidFill>
+              <a:srgbClr val="000000"/>
+            </a:solidFill>
+          </a:ln>
+        </p:spPr>
+        <p:style>
+          <a:lnRef idx="1">
+            <a:schemeClr val="accent1"/>
+          </a:lnRef>
+          <a:fillRef idx="0">
+            <a:schemeClr val="accent1"/>
+          </a:fillRef>
+          <a:effectRef idx="0">
+            <a:schemeClr val="accent1"/>
+          </a:effectRef>
+          <a:fontRef idx="minor">
+            <a:schemeClr val="tx1"/>
+          </a:fontRef>
+        </p:style>
+      </p:cxnSp>
+      <p:sp>
+        <p:nvSpPr>
+          <p:cNvPr id="16" name="TextBox 15">
+            <a:extLst>
+              <a:ext uri="{FF2B5EF4-FFF2-40B4-BE49-F238E27FC236}">
+                <a16:creationId xmlns:a16="http://schemas.microsoft.com/office/drawing/2014/main" id="{DE202EEA-8C70-E71A-FD3B-1D4E062E2576}"/>
+              </a:ext>
+            </a:extLst>
+          </p:cNvPr>
+          <p:cNvSpPr txBox="1"/>
+          <p:nvPr/>
+        </p:nvSpPr>
+        <p:spPr>
+          <a:xfrm>
+            <a:off x="1816100" y="4108479"/>
+            <a:ext cx="8559800" cy="430887"/>
+          </a:xfrm>
+          <a:prstGeom prst="rect">
+            <a:avLst/>
+          </a:prstGeom>
+          <a:noFill/>
+        </p:spPr>
+        <p:txBody>
+          <a:bodyPr wrap="square" lIns="0" tIns="0" rIns="0" bIns="0" rtlCol="0">
+            <a:spAutoFit/>
+          </a:bodyPr>
+          <a:lstStyle/>
+          <a:p>
+            <a:pPr algn="ctr"/>
+            <a:r>
+              <a:rPr lang="en-US" sz="1400" dirty="0">
+                <a:solidFill>
+                  <a:srgbClr val="000000"/>
+                </a:solidFill>
+                <a:effectLst/>
+                <a:latin typeface="Roboto light" pitchFamily="2" charset="0"/>
+                <a:ea typeface="Roboto light" pitchFamily="2" charset="0"/>
+              </a:rPr>
+              <a:t>Lorem Ipsum has been the industry's standard dummy text ever since the 1500s, when an unknown printer took a galley of type.</a:t>
+            </a:r>
+            <a:endParaRPr lang="en-US" sz="1400" dirty="0">
+              <a:solidFill>
+                <a:srgbClr val="000000"/>
+              </a:solidFill>
+              <a:latin typeface="Roboto light" pitchFamily="2" charset="0"/>
+              <a:ea typeface="Roboto light" pitchFamily="2" charset="0"/>
+            </a:endParaRPr>
+          </a:p>
+        </p:txBody>
+      </p:sp>
+      <p:sp>
+        <p:nvSpPr>
+          <p:cNvPr id="17" name="TextBox 16">
+            <a:extLst>
+              <a:ext uri="{FF2B5EF4-FFF2-40B4-BE49-F238E27FC236}">
+                <a16:creationId xmlns:a16="http://schemas.microsoft.com/office/drawing/2014/main" id="{01B17905-39F0-AA59-B225-8D8850B2B17D}"/>
+              </a:ext>
+            </a:extLst>
+          </p:cNvPr>
+          <p:cNvSpPr txBox="1"/>
+          <p:nvPr/>
+        </p:nvSpPr>
+        <p:spPr>
+          <a:xfrm>
+            <a:off x="3639569" y="5211097"/>
+            <a:ext cx="1718818" cy="376093"/>
+          </a:xfrm>
+          <a:prstGeom prst="rect">
+            <a:avLst/>
+          </a:prstGeom>
+          <a:noFill/>
+        </p:spPr>
+        <p:txBody>
+          <a:bodyPr wrap="square" rtlCol="0">
+            <a:spAutoFit/>
+          </a:bodyPr>
+          <a:lstStyle/>
+          <a:p>
+            <a:pPr algn="ctr"/>
             <a:r>
               <a:rPr lang="en-US" dirty="0"/>
-              <a:t>Certificate</a:t>
-            </a:r>
-          </a:p>
-        </p:txBody>
-      </p:sp>
-      <p:sp>
-        <p:nvSpPr>
-          <p:cNvPr id="3" name="Subtitle 2">
-            <a:extLst>
-              <a:ext uri="{FF2B5EF4-FFF2-40B4-BE49-F238E27FC236}">
-                <a16:creationId xmlns:a16="http://schemas.microsoft.com/office/drawing/2014/main" id="{5F539CEC-3061-97B1-4018-F596F38A8266}"/>
-              </a:ext>
-            </a:extLst>
-          </p:cNvPr>
-          <p:cNvSpPr>
-            <a:spLocks noGrp="1"/>
-          </p:cNvSpPr>
-          <p:nvPr>
-            <p:ph type="subTitle" idx="1"/>
-          </p:nvPr>
-        </p:nvSpPr>
-        <p:spPr/>
-        <p:txBody>
-          <a:bodyPr/>
-          <a:lstStyle/>
-          <a:p>
-            <a:r>
-              <a:rPr lang="en-US"/>
-              <a:t>Sachin Mutalikdesai</a:t>
-            </a:r>
-            <a:endParaRPr lang="en-US" dirty="0"/>
-          </a:p>
-        </p:txBody>
-      </p:sp>
+              <a:t>02-07-2022</a:t>
+            </a:r>
+          </a:p>
+        </p:txBody>
+      </p:sp>
+      <p:pic>
+        <p:nvPicPr>
+          <p:cNvPr id="19" name="Picture 18">
+            <a:extLst>
+              <a:ext uri="{FF2B5EF4-FFF2-40B4-BE49-F238E27FC236}">
+                <a16:creationId xmlns:a16="http://schemas.microsoft.com/office/drawing/2014/main" id="{79BD8FAB-0916-AB1C-209A-B0F91F1D9833}"/>
+              </a:ext>
+            </a:extLst>
+          </p:cNvPr>
+          <p:cNvPicPr>
+            <a:picLocks noChangeAspect="1"/>
+          </p:cNvPicPr>
+          <p:nvPr/>
+        </p:nvPicPr>
+        <p:blipFill>
+          <a:blip r:embed="rId2">
+            <a:extLst>
+              <a:ext uri="{28A0092B-C50C-407E-A947-70E740481C1C}">
+                <a14:useLocalDpi xmlns:a14="http://schemas.microsoft.com/office/drawing/2010/main" val="0"/>
+              </a:ext>
+            </a:extLst>
+          </a:blip>
+          <a:stretch>
+            <a:fillRect/>
+          </a:stretch>
+        </p:blipFill>
+        <p:spPr>
+          <a:xfrm>
+            <a:off x="7030260" y="4973779"/>
+            <a:ext cx="1718818" cy="613411"/>
+          </a:xfrm>
+          <a:prstGeom prst="rect">
+            <a:avLst/>
+          </a:prstGeom>
+        </p:spPr>
+      </p:pic>
+      <p:sp>
+        <p:nvSpPr>
+          <p:cNvPr id="20" name="Rounded Rectangle 13">
+            <a:extLst>
+              <a:ext uri="{FF2B5EF4-FFF2-40B4-BE49-F238E27FC236}">
+                <a16:creationId xmlns:a16="http://schemas.microsoft.com/office/drawing/2014/main" id="{EF522031-23CC-13D2-910F-DCD859494BC0}"/>
+              </a:ext>
+            </a:extLst>
+          </p:cNvPr>
+          <p:cNvSpPr/>
+          <p:nvPr/>
+        </p:nvSpPr>
+        <p:spPr>
+          <a:xfrm rot="19200918">
+            <a:off x="-342744" y="5260019"/>
+            <a:ext cx="3240000" cy="527076"/>
+          </a:xfrm>
+          <a:prstGeom prst="roundRect">
+            <a:avLst>
+              <a:gd name="adj" fmla="val 50000"/>
+            </a:avLst>
+          </a:prstGeom>
+          <a:solidFill>
+            <a:srgbClr val="C979AA"/>
+          </a:solidFill>
+          <a:ln>
+            <a:noFill/>
+          </a:ln>
+        </p:spPr>
+        <p:style>
+          <a:lnRef idx="2">
+            <a:schemeClr val="accent1">
+              <a:shade val="50000"/>
+            </a:schemeClr>
+          </a:lnRef>
+          <a:fillRef idx="1">
+            <a:schemeClr val="accent1"/>
+          </a:fillRef>
+          <a:effectRef idx="0">
+            <a:schemeClr val="accent1"/>
+          </a:effectRef>
+          <a:fontRef idx="minor">
+            <a:schemeClr val="lt1"/>
+          </a:fontRef>
+        </p:style>
+        <p:txBody>
+          <a:bodyPr rtlCol="0" anchor="ctr"/>
+          <a:lstStyle/>
+          <a:p>
+            <a:pPr algn="ctr"/>
+            <a:endParaRPr lang="en-IN"/>
+          </a:p>
+        </p:txBody>
+      </p:sp>
+      <p:sp>
+        <p:nvSpPr>
+          <p:cNvPr id="21" name="Rounded Rectangle 14">
+            <a:extLst>
+              <a:ext uri="{FF2B5EF4-FFF2-40B4-BE49-F238E27FC236}">
+                <a16:creationId xmlns:a16="http://schemas.microsoft.com/office/drawing/2014/main" id="{CCA305E1-856C-69CF-18EC-B56E57488728}"/>
+              </a:ext>
+            </a:extLst>
+          </p:cNvPr>
+          <p:cNvSpPr/>
+          <p:nvPr/>
+        </p:nvSpPr>
+        <p:spPr>
+          <a:xfrm rot="19200918">
+            <a:off x="519348" y="5480362"/>
+            <a:ext cx="3240000" cy="527076"/>
+          </a:xfrm>
+          <a:prstGeom prst="roundRect">
+            <a:avLst>
+              <a:gd name="adj" fmla="val 50000"/>
+            </a:avLst>
+          </a:prstGeom>
+          <a:solidFill>
+            <a:srgbClr val="FF6B7F"/>
+          </a:solidFill>
+          <a:ln>
+            <a:noFill/>
+          </a:ln>
+        </p:spPr>
+        <p:style>
+          <a:lnRef idx="2">
+            <a:schemeClr val="accent1">
+              <a:shade val="50000"/>
+            </a:schemeClr>
+          </a:lnRef>
+          <a:fillRef idx="1">
+            <a:schemeClr val="accent1"/>
+          </a:fillRef>
+          <a:effectRef idx="0">
+            <a:schemeClr val="accent1"/>
+          </a:effectRef>
+          <a:fontRef idx="minor">
+            <a:schemeClr val="lt1"/>
+          </a:fontRef>
+        </p:style>
+        <p:txBody>
+          <a:bodyPr rtlCol="0" anchor="ctr"/>
+          <a:lstStyle/>
+          <a:p>
+            <a:pPr algn="ctr"/>
+            <a:endParaRPr lang="en-IN"/>
+          </a:p>
+        </p:txBody>
+      </p:sp>
+      <p:sp>
+        <p:nvSpPr>
+          <p:cNvPr id="22" name="Rounded Rectangle 15">
+            <a:extLst>
+              <a:ext uri="{FF2B5EF4-FFF2-40B4-BE49-F238E27FC236}">
+                <a16:creationId xmlns:a16="http://schemas.microsoft.com/office/drawing/2014/main" id="{27FC0ACE-0FFE-74E6-D2CA-DFE41C735318}"/>
+              </a:ext>
+            </a:extLst>
+          </p:cNvPr>
+          <p:cNvSpPr/>
+          <p:nvPr/>
+        </p:nvSpPr>
+        <p:spPr>
+          <a:xfrm rot="19200918">
+            <a:off x="545421" y="5969006"/>
+            <a:ext cx="1249160" cy="223532"/>
+          </a:xfrm>
+          <a:prstGeom prst="roundRect">
+            <a:avLst>
+              <a:gd name="adj" fmla="val 50000"/>
+            </a:avLst>
+          </a:prstGeom>
+          <a:solidFill>
+            <a:schemeClr val="accent5">
+              <a:lumMod val="60000"/>
+              <a:lumOff val="40000"/>
+            </a:schemeClr>
+          </a:solidFill>
+          <a:ln>
+            <a:noFill/>
+          </a:ln>
+        </p:spPr>
+        <p:style>
+          <a:lnRef idx="2">
+            <a:schemeClr val="accent1">
+              <a:shade val="50000"/>
+            </a:schemeClr>
+          </a:lnRef>
+          <a:fillRef idx="1">
+            <a:schemeClr val="accent1"/>
+          </a:fillRef>
+          <a:effectRef idx="0">
+            <a:schemeClr val="accent1"/>
+          </a:effectRef>
+          <a:fontRef idx="minor">
+            <a:schemeClr val="lt1"/>
+          </a:fontRef>
+        </p:style>
+        <p:txBody>
+          <a:bodyPr rtlCol="0" anchor="ctr"/>
+          <a:lstStyle/>
+          <a:p>
+            <a:pPr algn="ctr"/>
+            <a:endParaRPr lang="en-IN"/>
+          </a:p>
+        </p:txBody>
+      </p:sp>
+      <p:pic>
+        <p:nvPicPr>
+          <p:cNvPr id="30" name="Picture 29">
+            <a:extLst>
+              <a:ext uri="{FF2B5EF4-FFF2-40B4-BE49-F238E27FC236}">
+                <a16:creationId xmlns:a16="http://schemas.microsoft.com/office/drawing/2014/main" id="{298BECF6-4593-4CA2-672F-FB793E40E48D}"/>
+              </a:ext>
+            </a:extLst>
+          </p:cNvPr>
+          <p:cNvPicPr>
+            <a:picLocks noChangeAspect="1"/>
+          </p:cNvPicPr>
+          <p:nvPr/>
+        </p:nvPicPr>
+        <p:blipFill>
+          <a:blip r:embed="rId3"/>
+          <a:stretch>
+            <a:fillRect/>
+          </a:stretch>
+        </p:blipFill>
+        <p:spPr>
+          <a:xfrm>
+            <a:off x="9532390" y="-19977"/>
+            <a:ext cx="2659610" cy="1181202"/>
+          </a:xfrm>
+          <a:prstGeom prst="rect">
+            <a:avLst/>
+          </a:prstGeom>
+        </p:spPr>
+      </p:pic>
+      <p:pic>
+        <p:nvPicPr>
+          <p:cNvPr id="32" name="Picture 31">
+            <a:extLst>
+              <a:ext uri="{FF2B5EF4-FFF2-40B4-BE49-F238E27FC236}">
+                <a16:creationId xmlns:a16="http://schemas.microsoft.com/office/drawing/2014/main" id="{EA7B3A03-AA0B-ED54-2F7F-D03FA49C9F37}"/>
+              </a:ext>
+            </a:extLst>
+          </p:cNvPr>
+          <p:cNvPicPr>
+            <a:picLocks noChangeAspect="1"/>
+          </p:cNvPicPr>
+          <p:nvPr/>
+        </p:nvPicPr>
+        <p:blipFill>
+          <a:blip r:embed="rId4"/>
+          <a:stretch>
+            <a:fillRect/>
+          </a:stretch>
+        </p:blipFill>
+        <p:spPr>
+          <a:xfrm>
+            <a:off x="0" y="-19977"/>
+            <a:ext cx="2476715" cy="2004234"/>
+          </a:xfrm>
+          <a:prstGeom prst="rect">
+            <a:avLst/>
+          </a:prstGeom>
+        </p:spPr>
+      </p:pic>
     </p:spTree>
     <p:extLst>
       <p:ext uri="{BB962C8B-B14F-4D97-AF65-F5344CB8AC3E}">
-        <p14:creationId xmlns:p14="http://schemas.microsoft.com/office/powerpoint/2010/main" val="4250828882"/>
+        <p14:creationId xmlns:p14="http://schemas.microsoft.com/office/powerpoint/2010/main" val="3245851304"/>
       </p:ext>
     </p:extLst>
   </p:cSld>

--- a/Certificate.pptx
+++ b/Certificate.pptx
@@ -3394,7 +3394,7 @@
           <a:p>
             <a:r>
               <a:rPr lang="en-US" sz="3200"/>
-              <a:t>Sachin Mutalikdesai</a:t>
+              <a:t>Name</a:t>
             </a:r>
             <a:endParaRPr lang="en-US" sz="3200" dirty="0"/>
           </a:p>
